--- a/assets/img/logo.pptx
+++ b/assets/img/logo.pptx
@@ -104,6 +104,11 @@
       </a:defRPr>
     </a:lvl9pPr>
   </p:defaultTextStyle>
+  <p:extLst>
+    <p:ext uri="{EFAFB233-063F-42B5-8137-9DF3F51BA10A}">
+      <p15:sldGuideLst xmlns:p15="http://schemas.microsoft.com/office/powerpoint/2012/main"/>
+    </p:ext>
+  </p:extLst>
 </p:presentation>
 </file>
 
@@ -3339,14 +3344,15 @@
         </p:nvSpPr>
         <p:spPr>
           <a:xfrm>
-            <a:off x="452846" y="1733006"/>
-            <a:ext cx="8900160" cy="1060993"/>
+            <a:off x="452845" y="446314"/>
+            <a:ext cx="10715897" cy="2347685"/>
           </a:xfrm>
         </p:spPr>
         <p:txBody>
           <a:bodyPr/>
           <a:lstStyle/>
           <a:p>
+            <a:pPr algn="l"/>
             <a:r>
               <a:rPr lang="en-US" dirty="0">
                 <a:ln w="0">
